--- a/public/templates/certificado/verso-4a-2coluna.pptx
+++ b/public/templates/certificado/verso-4a-2coluna.pptx
@@ -276,7 +276,7 @@
           <a:p>
             <a:fld id="{62DE8017-325E-4800-BDDD-E3855642CAE0}" type="datetimeFigureOut">
               <a:rPr lang="pt-BR" smtClean="0"/>
-              <a:t>06/04/2025</a:t>
+              <a:t>11/08/2025</a:t>
             </a:fld>
             <a:endParaRPr lang="pt-BR"/>
           </a:p>
@@ -486,7 +486,7 @@
           <a:p>
             <a:fld id="{62DE8017-325E-4800-BDDD-E3855642CAE0}" type="datetimeFigureOut">
               <a:rPr lang="pt-BR" smtClean="0"/>
-              <a:t>06/04/2025</a:t>
+              <a:t>11/08/2025</a:t>
             </a:fld>
             <a:endParaRPr lang="pt-BR"/>
           </a:p>
@@ -696,7 +696,7 @@
           <a:p>
             <a:fld id="{62DE8017-325E-4800-BDDD-E3855642CAE0}" type="datetimeFigureOut">
               <a:rPr lang="pt-BR" smtClean="0"/>
-              <a:t>06/04/2025</a:t>
+              <a:t>11/08/2025</a:t>
             </a:fld>
             <a:endParaRPr lang="pt-BR"/>
           </a:p>
@@ -906,7 +906,7 @@
           <a:p>
             <a:fld id="{62DE8017-325E-4800-BDDD-E3855642CAE0}" type="datetimeFigureOut">
               <a:rPr lang="pt-BR" smtClean="0"/>
-              <a:t>06/04/2025</a:t>
+              <a:t>11/08/2025</a:t>
             </a:fld>
             <a:endParaRPr lang="pt-BR"/>
           </a:p>
@@ -1180,7 +1180,7 @@
           <a:p>
             <a:fld id="{62DE8017-325E-4800-BDDD-E3855642CAE0}" type="datetimeFigureOut">
               <a:rPr lang="pt-BR" smtClean="0"/>
-              <a:t>06/04/2025</a:t>
+              <a:t>11/08/2025</a:t>
             </a:fld>
             <a:endParaRPr lang="pt-BR"/>
           </a:p>
@@ -1450,7 +1450,7 @@
           <a:p>
             <a:fld id="{62DE8017-325E-4800-BDDD-E3855642CAE0}" type="datetimeFigureOut">
               <a:rPr lang="pt-BR" smtClean="0"/>
-              <a:t>06/04/2025</a:t>
+              <a:t>11/08/2025</a:t>
             </a:fld>
             <a:endParaRPr lang="pt-BR"/>
           </a:p>
@@ -1856,7 +1856,7 @@
           <a:p>
             <a:fld id="{62DE8017-325E-4800-BDDD-E3855642CAE0}" type="datetimeFigureOut">
               <a:rPr lang="pt-BR" smtClean="0"/>
-              <a:t>06/04/2025</a:t>
+              <a:t>11/08/2025</a:t>
             </a:fld>
             <a:endParaRPr lang="pt-BR"/>
           </a:p>
@@ -2006,7 +2006,7 @@
           <a:p>
             <a:fld id="{62DE8017-325E-4800-BDDD-E3855642CAE0}" type="datetimeFigureOut">
               <a:rPr lang="pt-BR" smtClean="0"/>
-              <a:t>06/04/2025</a:t>
+              <a:t>11/08/2025</a:t>
             </a:fld>
             <a:endParaRPr lang="pt-BR"/>
           </a:p>
@@ -2125,7 +2125,7 @@
           <a:p>
             <a:fld id="{62DE8017-325E-4800-BDDD-E3855642CAE0}" type="datetimeFigureOut">
               <a:rPr lang="pt-BR" smtClean="0"/>
-              <a:t>06/04/2025</a:t>
+              <a:t>11/08/2025</a:t>
             </a:fld>
             <a:endParaRPr lang="pt-BR"/>
           </a:p>
@@ -2435,7 +2435,7 @@
           <a:p>
             <a:fld id="{62DE8017-325E-4800-BDDD-E3855642CAE0}" type="datetimeFigureOut">
               <a:rPr lang="pt-BR" smtClean="0"/>
-              <a:t>06/04/2025</a:t>
+              <a:t>11/08/2025</a:t>
             </a:fld>
             <a:endParaRPr lang="pt-BR"/>
           </a:p>
@@ -2725,7 +2725,7 @@
           <a:p>
             <a:fld id="{62DE8017-325E-4800-BDDD-E3855642CAE0}" type="datetimeFigureOut">
               <a:rPr lang="pt-BR" smtClean="0"/>
-              <a:t>06/04/2025</a:t>
+              <a:t>11/08/2025</a:t>
             </a:fld>
             <a:endParaRPr lang="pt-BR"/>
           </a:p>
@@ -3429,7 +3429,7 @@
         <p:spPr>
           <a:xfrm>
             <a:off x="421550" y="3931955"/>
-            <a:ext cx="2232000" cy="984885"/>
+            <a:ext cx="2232000" cy="1092607"/>
           </a:xfrm>
           <a:prstGeom prst="rect">
             <a:avLst/>
@@ -3473,45 +3473,10 @@
           </a:p>
           <a:p>
             <a:pPr algn="ctr"/>
-            <a:r>
-              <a:rPr lang="pt-BR" sz="700" dirty="0">
-                <a:latin typeface="Arial" panose="020B0604020202020204" pitchFamily="34" charset="0"/>
-                <a:cs typeface="Arial" panose="020B0604020202020204" pitchFamily="34" charset="0"/>
-              </a:rPr>
-              <a:t>_________________________________________</a:t>
-            </a:r>
-          </a:p>
-          <a:p>
-            <a:pPr algn="ctr"/>
-            <a:r>
-              <a:rPr lang="pt-BR" sz="800" b="1" dirty="0">
-                <a:latin typeface="Arial"/>
-                <a:cs typeface="Arial"/>
-              </a:rPr>
-              <a:t>[nome4]</a:t>
-            </a:r>
-            <a:endParaRPr lang="pt-BR" sz="800" dirty="0"/>
-          </a:p>
-          <a:p>
-            <a:pPr algn="ctr"/>
-            <a:r>
-              <a:rPr lang="pt-BR" sz="700" dirty="0">
-                <a:latin typeface="Arial"/>
-                <a:cs typeface="Arial"/>
-              </a:rPr>
-              <a:t>[qualificacao_profissional4]</a:t>
-            </a:r>
-          </a:p>
-          <a:p>
-            <a:pPr algn="ctr"/>
-            <a:r>
-              <a:rPr lang="pt-BR" sz="700" dirty="0">
-                <a:latin typeface="Arial"/>
-                <a:cs typeface="Arial"/>
-              </a:rPr>
-              <a:t>[registro_qualificacao4]</a:t>
-            </a:r>
-            <a:endParaRPr lang="pt-BR" sz="800" dirty="0"/>
+            <a:endParaRPr lang="pt-BR" sz="700" dirty="0">
+              <a:latin typeface="Arial" panose="020B0604020202020204" pitchFamily="34" charset="0"/>
+              <a:cs typeface="Arial" panose="020B0604020202020204" pitchFamily="34" charset="0"/>
+            </a:endParaRPr>
           </a:p>
           <a:p>
             <a:pPr algn="ctr"/>
@@ -3521,10 +3486,53 @@
             </a:endParaRPr>
           </a:p>
           <a:p>
+            <a:pPr algn="ctr"/>
             <a:endParaRPr lang="pt-BR" sz="700" dirty="0">
               <a:latin typeface="Arial" panose="020B0604020202020204" pitchFamily="34" charset="0"/>
               <a:cs typeface="Arial" panose="020B0604020202020204" pitchFamily="34" charset="0"/>
             </a:endParaRPr>
+          </a:p>
+          <a:p>
+            <a:pPr algn="ctr"/>
+            <a:r>
+              <a:rPr lang="pt-BR" sz="700" dirty="0">
+                <a:latin typeface="Arial" panose="020B0604020202020204" pitchFamily="34" charset="0"/>
+                <a:cs typeface="Arial" panose="020B0604020202020204" pitchFamily="34" charset="0"/>
+              </a:rPr>
+              <a:t>_________________________________________</a:t>
+            </a:r>
+          </a:p>
+          <a:p>
+            <a:pPr algn="ctr"/>
+            <a:r>
+              <a:rPr lang="pt-BR" sz="800" b="1" dirty="0">
+                <a:latin typeface="Arial"/>
+                <a:cs typeface="Arial"/>
+              </a:rPr>
+              <a:t>[nome4]</a:t>
+            </a:r>
+            <a:endParaRPr lang="pt-BR" sz="800" dirty="0"/>
+          </a:p>
+          <a:p>
+            <a:pPr algn="ctr"/>
+            <a:r>
+              <a:rPr lang="pt-BR" sz="700" dirty="0">
+                <a:latin typeface="Arial"/>
+                <a:cs typeface="Arial"/>
+              </a:rPr>
+              <a:t>[qualificacao_profissional4]</a:t>
+            </a:r>
+          </a:p>
+          <a:p>
+            <a:pPr algn="ctr"/>
+            <a:r>
+              <a:rPr lang="pt-BR" sz="700" dirty="0">
+                <a:latin typeface="Arial"/>
+                <a:cs typeface="Arial"/>
+              </a:rPr>
+              <a:t>[registro_qualificacao4]</a:t>
+            </a:r>
+            <a:endParaRPr lang="pt-BR" sz="800" dirty="0"/>
           </a:p>
         </p:txBody>
       </p:sp>
@@ -3686,7 +3694,7 @@
         <p:spPr>
           <a:xfrm>
             <a:off x="4952849" y="3931955"/>
-            <a:ext cx="2232000" cy="984885"/>
+            <a:ext cx="2232000" cy="1092607"/>
           </a:xfrm>
           <a:prstGeom prst="rect">
             <a:avLst/>
@@ -3724,48 +3732,7 @@
           </a:p>
           <a:p>
             <a:pPr algn="ctr"/>
-            <a:r>
-              <a:rPr lang="pt-BR" sz="700" dirty="0">
-                <a:latin typeface="Arial" panose="020B0604020202020204" pitchFamily="34" charset="0"/>
-                <a:cs typeface="Arial" panose="020B0604020202020204" pitchFamily="34" charset="0"/>
-              </a:rPr>
-              <a:t>_________________________________________</a:t>
-            </a:r>
-          </a:p>
-          <a:p>
-            <a:pPr algn="ctr"/>
-            <a:r>
-              <a:rPr lang="pt-BR" sz="800" b="1" dirty="0">
-                <a:latin typeface="Arial"/>
-                <a:cs typeface="Arial"/>
-              </a:rPr>
-              <a:t>[nome2]</a:t>
-            </a:r>
-            <a:endParaRPr lang="pt-BR" sz="800" b="1" dirty="0">
-              <a:latin typeface="Arial" panose="020B0604020202020204" pitchFamily="34" charset="0"/>
-              <a:cs typeface="Arial" panose="020B0604020202020204" pitchFamily="34" charset="0"/>
-            </a:endParaRPr>
-          </a:p>
-          <a:p>
-            <a:pPr algn="ctr"/>
-            <a:r>
-              <a:rPr lang="pt-BR" sz="700" dirty="0">
-                <a:latin typeface="Arial"/>
-                <a:cs typeface="Arial"/>
-              </a:rPr>
-              <a:t>[qualificacao_profissional2]</a:t>
-            </a:r>
-          </a:p>
-          <a:p>
-            <a:pPr algn="ctr"/>
-            <a:r>
-              <a:rPr lang="pt-BR" sz="700" b="0" dirty="0">
-                <a:latin typeface="Arial"/>
-                <a:cs typeface="Arial"/>
-              </a:rPr>
-              <a:t>[registro_qualificacao2]</a:t>
-            </a:r>
-            <a:endParaRPr lang="pt-BR" sz="700" b="0" dirty="0">
+            <a:endParaRPr lang="pt-BR" sz="700" dirty="0">
               <a:latin typeface="Arial" panose="020B0604020202020204" pitchFamily="34" charset="0"/>
               <a:cs typeface="Arial" panose="020B0604020202020204" pitchFamily="34" charset="0"/>
             </a:endParaRPr>
@@ -3780,6 +3747,54 @@
           <a:p>
             <a:pPr algn="ctr"/>
             <a:endParaRPr lang="pt-BR" sz="700" dirty="0">
+              <a:latin typeface="Arial" panose="020B0604020202020204" pitchFamily="34" charset="0"/>
+              <a:cs typeface="Arial" panose="020B0604020202020204" pitchFamily="34" charset="0"/>
+            </a:endParaRPr>
+          </a:p>
+          <a:p>
+            <a:pPr algn="ctr"/>
+            <a:r>
+              <a:rPr lang="pt-BR" sz="700" dirty="0">
+                <a:latin typeface="Arial" panose="020B0604020202020204" pitchFamily="34" charset="0"/>
+                <a:cs typeface="Arial" panose="020B0604020202020204" pitchFamily="34" charset="0"/>
+              </a:rPr>
+              <a:t>_________________________________________</a:t>
+            </a:r>
+          </a:p>
+          <a:p>
+            <a:pPr algn="ctr"/>
+            <a:r>
+              <a:rPr lang="pt-BR" sz="800" b="1" dirty="0">
+                <a:latin typeface="Arial"/>
+                <a:cs typeface="Arial"/>
+              </a:rPr>
+              <a:t>[nome2]</a:t>
+            </a:r>
+            <a:endParaRPr lang="pt-BR" sz="800" b="1" dirty="0">
+              <a:latin typeface="Arial" panose="020B0604020202020204" pitchFamily="34" charset="0"/>
+              <a:cs typeface="Arial" panose="020B0604020202020204" pitchFamily="34" charset="0"/>
+            </a:endParaRPr>
+          </a:p>
+          <a:p>
+            <a:pPr algn="ctr"/>
+            <a:r>
+              <a:rPr lang="pt-BR" sz="700" dirty="0">
+                <a:latin typeface="Arial"/>
+                <a:cs typeface="Arial"/>
+              </a:rPr>
+              <a:t>[qualificacao_profissional2]</a:t>
+            </a:r>
+          </a:p>
+          <a:p>
+            <a:pPr algn="ctr"/>
+            <a:r>
+              <a:rPr lang="pt-BR" sz="700" b="0" dirty="0">
+                <a:latin typeface="Arial"/>
+                <a:cs typeface="Arial"/>
+              </a:rPr>
+              <a:t>[registro_qualificacao2]</a:t>
+            </a:r>
+            <a:endParaRPr lang="pt-BR" sz="700" b="0" dirty="0">
               <a:latin typeface="Arial" panose="020B0604020202020204" pitchFamily="34" charset="0"/>
               <a:cs typeface="Arial" panose="020B0604020202020204" pitchFamily="34" charset="0"/>
             </a:endParaRPr>
@@ -3868,7 +3883,7 @@
         <p:spPr>
           <a:xfrm>
             <a:off x="7215287" y="3931955"/>
-            <a:ext cx="2232000" cy="984885"/>
+            <a:ext cx="2232000" cy="1092607"/>
           </a:xfrm>
           <a:prstGeom prst="rect">
             <a:avLst/>
@@ -3906,6 +3921,27 @@
           </a:p>
           <a:p>
             <a:pPr algn="ctr"/>
+            <a:endParaRPr lang="pt-BR" sz="700" dirty="0">
+              <a:latin typeface="Arial" panose="020B0604020202020204" pitchFamily="34" charset="0"/>
+              <a:cs typeface="Arial" panose="020B0604020202020204" pitchFamily="34" charset="0"/>
+            </a:endParaRPr>
+          </a:p>
+          <a:p>
+            <a:pPr algn="ctr"/>
+            <a:endParaRPr lang="pt-BR" sz="700" dirty="0">
+              <a:latin typeface="Arial" panose="020B0604020202020204" pitchFamily="34" charset="0"/>
+              <a:cs typeface="Arial" panose="020B0604020202020204" pitchFamily="34" charset="0"/>
+            </a:endParaRPr>
+          </a:p>
+          <a:p>
+            <a:pPr algn="ctr"/>
+            <a:endParaRPr lang="pt-BR" sz="700" dirty="0">
+              <a:latin typeface="Arial" panose="020B0604020202020204" pitchFamily="34" charset="0"/>
+              <a:cs typeface="Arial" panose="020B0604020202020204" pitchFamily="34" charset="0"/>
+            </a:endParaRPr>
+          </a:p>
+          <a:p>
+            <a:pPr algn="ctr"/>
             <a:r>
               <a:rPr lang="pt-BR" sz="700" dirty="0">
                 <a:latin typeface="Arial" panose="020B0604020202020204" pitchFamily="34" charset="0"/>
@@ -3944,20 +3980,6 @@
               </a:rPr>
               <a:t>[registro_qualificacao1]</a:t>
             </a:r>
-          </a:p>
-          <a:p>
-            <a:pPr algn="ctr"/>
-            <a:endParaRPr lang="pt-BR" sz="700" b="1" dirty="0">
-              <a:latin typeface="Arial" panose="020B0604020202020204" pitchFamily="34" charset="0"/>
-              <a:cs typeface="Arial" panose="020B0604020202020204" pitchFamily="34" charset="0"/>
-            </a:endParaRPr>
-          </a:p>
-          <a:p>
-            <a:pPr algn="ctr"/>
-            <a:endParaRPr lang="pt-BR" sz="700" b="1" dirty="0">
-              <a:latin typeface="Arial" panose="020B0604020202020204" pitchFamily="34" charset="0"/>
-              <a:cs typeface="Arial" panose="020B0604020202020204" pitchFamily="34" charset="0"/>
-            </a:endParaRPr>
           </a:p>
         </p:txBody>
       </p:sp>
@@ -4175,7 +4197,7 @@
         <p:spPr>
           <a:xfrm>
             <a:off x="2685993" y="3931955"/>
-            <a:ext cx="2240692" cy="984885"/>
+            <a:ext cx="2240692" cy="1092607"/>
           </a:xfrm>
           <a:prstGeom prst="rect">
             <a:avLst/>
@@ -4213,6 +4235,27 @@
           </a:p>
           <a:p>
             <a:pPr algn="ctr"/>
+            <a:endParaRPr lang="pt-BR" sz="700" dirty="0">
+              <a:latin typeface="Arial" panose="020B0604020202020204" pitchFamily="34" charset="0"/>
+              <a:cs typeface="Arial" panose="020B0604020202020204" pitchFamily="34" charset="0"/>
+            </a:endParaRPr>
+          </a:p>
+          <a:p>
+            <a:pPr algn="ctr"/>
+            <a:endParaRPr lang="pt-BR" sz="700" dirty="0">
+              <a:latin typeface="Arial" panose="020B0604020202020204" pitchFamily="34" charset="0"/>
+              <a:cs typeface="Arial" panose="020B0604020202020204" pitchFamily="34" charset="0"/>
+            </a:endParaRPr>
+          </a:p>
+          <a:p>
+            <a:pPr algn="ctr"/>
+            <a:endParaRPr lang="pt-BR" sz="700" dirty="0">
+              <a:latin typeface="Arial" panose="020B0604020202020204" pitchFamily="34" charset="0"/>
+              <a:cs typeface="Arial" panose="020B0604020202020204" pitchFamily="34" charset="0"/>
+            </a:endParaRPr>
+          </a:p>
+          <a:p>
+            <a:pPr algn="ctr"/>
             <a:r>
               <a:rPr lang="pt-BR" sz="700" dirty="0">
                 <a:latin typeface="Arial" panose="020B0604020202020204" pitchFamily="34" charset="0"/>
@@ -4251,22 +4294,150 @@
               <a:t>[registro_qualificacao3]</a:t>
             </a:r>
           </a:p>
-          <a:p>
-            <a:pPr algn="ctr"/>
-            <a:endParaRPr lang="pt-BR" sz="700" b="1" dirty="0">
-              <a:latin typeface="Arial" panose="020B0604020202020204" pitchFamily="34" charset="0"/>
-              <a:cs typeface="Arial" panose="020B0604020202020204" pitchFamily="34" charset="0"/>
-            </a:endParaRPr>
-          </a:p>
-          <a:p>
-            <a:pPr algn="ctr"/>
-            <a:endParaRPr lang="pt-BR" sz="700" b="1" dirty="0">
-              <a:latin typeface="Arial" panose="020B0604020202020204" pitchFamily="34" charset="0"/>
-              <a:cs typeface="Arial" panose="020B0604020202020204" pitchFamily="34" charset="0"/>
-            </a:endParaRPr>
-          </a:p>
-        </p:txBody>
-      </p:sp>
+        </p:txBody>
+      </p:sp>
+      <p:pic>
+        <p:nvPicPr>
+          <p:cNvPr id="12" name="Imagem 11" descr="Imagem em preto e branco&#10;&#10;O conteúdo gerado por IA pode estar incorreto.">
+            <a:extLst>
+              <a:ext uri="{FF2B5EF4-FFF2-40B4-BE49-F238E27FC236}">
+                <a16:creationId xmlns:a16="http://schemas.microsoft.com/office/drawing/2014/main" id="{4ED5C5E4-0B6D-E71C-BCCE-51799DE8A61A}"/>
+              </a:ext>
+            </a:extLst>
+          </p:cNvPr>
+          <p:cNvPicPr>
+            <a:picLocks noChangeAspect="1"/>
+          </p:cNvPicPr>
+          <p:nvPr/>
+        </p:nvPicPr>
+        <p:blipFill>
+          <a:blip r:embed="rId2" cstate="print">
+            <a:extLst>
+              <a:ext uri="{28A0092B-C50C-407E-A947-70E740481C1C}">
+                <a14:useLocalDpi xmlns:a14="http://schemas.microsoft.com/office/drawing/2010/main" val="0"/>
+              </a:ext>
+            </a:extLst>
+          </a:blip>
+          <a:stretch>
+            <a:fillRect/>
+          </a:stretch>
+        </p:blipFill>
+        <p:spPr>
+          <a:xfrm>
+            <a:off x="855097" y="3789323"/>
+            <a:ext cx="1364905" cy="1235239"/>
+          </a:xfrm>
+          <a:prstGeom prst="rect">
+            <a:avLst/>
+          </a:prstGeom>
+        </p:spPr>
+      </p:pic>
+      <p:pic>
+        <p:nvPicPr>
+          <p:cNvPr id="14" name="Imagem 13" descr="Texto&#10;&#10;O conteúdo gerado por IA pode estar incorreto.">
+            <a:extLst>
+              <a:ext uri="{FF2B5EF4-FFF2-40B4-BE49-F238E27FC236}">
+                <a16:creationId xmlns:a16="http://schemas.microsoft.com/office/drawing/2014/main" id="{CB9148F5-5166-7A97-29A1-7E9651CE7F6E}"/>
+              </a:ext>
+            </a:extLst>
+          </p:cNvPr>
+          <p:cNvPicPr>
+            <a:picLocks noChangeAspect="1"/>
+          </p:cNvPicPr>
+          <p:nvPr/>
+        </p:nvPicPr>
+        <p:blipFill>
+          <a:blip r:embed="rId3" cstate="print">
+            <a:extLst>
+              <a:ext uri="{28A0092B-C50C-407E-A947-70E740481C1C}">
+                <a14:useLocalDpi xmlns:a14="http://schemas.microsoft.com/office/drawing/2010/main" val="0"/>
+              </a:ext>
+            </a:extLst>
+          </a:blip>
+          <a:stretch>
+            <a:fillRect/>
+          </a:stretch>
+        </p:blipFill>
+        <p:spPr>
+          <a:xfrm>
+            <a:off x="3123886" y="3787878"/>
+            <a:ext cx="1364905" cy="1235239"/>
+          </a:xfrm>
+          <a:prstGeom prst="rect">
+            <a:avLst/>
+          </a:prstGeom>
+        </p:spPr>
+      </p:pic>
+      <p:pic>
+        <p:nvPicPr>
+          <p:cNvPr id="16" name="Imagem 15">
+            <a:extLst>
+              <a:ext uri="{FF2B5EF4-FFF2-40B4-BE49-F238E27FC236}">
+                <a16:creationId xmlns:a16="http://schemas.microsoft.com/office/drawing/2014/main" id="{CB4B43D0-DEF9-7ECC-872F-D48408BDDB3E}"/>
+              </a:ext>
+            </a:extLst>
+          </p:cNvPr>
+          <p:cNvPicPr>
+            <a:picLocks/>
+          </p:cNvPicPr>
+          <p:nvPr/>
+        </p:nvPicPr>
+        <p:blipFill>
+          <a:blip r:embed="rId4" cstate="print">
+            <a:extLst>
+              <a:ext uri="{28A0092B-C50C-407E-A947-70E740481C1C}">
+                <a14:useLocalDpi xmlns:a14="http://schemas.microsoft.com/office/drawing/2010/main" val="0"/>
+              </a:ext>
+            </a:extLst>
+          </a:blip>
+          <a:srcRect/>
+          <a:stretch/>
+        </p:blipFill>
+        <p:spPr>
+          <a:xfrm>
+            <a:off x="5385115" y="3802254"/>
+            <a:ext cx="1364905" cy="1224000"/>
+          </a:xfrm>
+          <a:prstGeom prst="rect">
+            <a:avLst/>
+          </a:prstGeom>
+        </p:spPr>
+      </p:pic>
+      <p:pic>
+        <p:nvPicPr>
+          <p:cNvPr id="19" name="Imagem 18">
+            <a:extLst>
+              <a:ext uri="{FF2B5EF4-FFF2-40B4-BE49-F238E27FC236}">
+                <a16:creationId xmlns:a16="http://schemas.microsoft.com/office/drawing/2014/main" id="{3D10E59C-FA29-0153-6624-71E6A27C63E2}"/>
+              </a:ext>
+            </a:extLst>
+          </p:cNvPr>
+          <p:cNvPicPr>
+            <a:picLocks/>
+          </p:cNvPicPr>
+          <p:nvPr/>
+        </p:nvPicPr>
+        <p:blipFill>
+          <a:blip r:embed="rId5" cstate="print">
+            <a:extLst>
+              <a:ext uri="{28A0092B-C50C-407E-A947-70E740481C1C}">
+                <a14:useLocalDpi xmlns:a14="http://schemas.microsoft.com/office/drawing/2010/main" val="0"/>
+              </a:ext>
+            </a:extLst>
+          </a:blip>
+          <a:srcRect/>
+          <a:stretch/>
+        </p:blipFill>
+        <p:spPr>
+          <a:xfrm>
+            <a:off x="7653904" y="3803534"/>
+            <a:ext cx="1364400" cy="1224000"/>
+          </a:xfrm>
+          <a:prstGeom prst="rect">
+            <a:avLst/>
+          </a:prstGeom>
+        </p:spPr>
+      </p:pic>
     </p:spTree>
     <p:extLst>
       <p:ext uri="{BB962C8B-B14F-4D97-AF65-F5344CB8AC3E}">
